--- a/NSW Presentation.pptx
+++ b/NSW Presentation.pptx
@@ -3353,7 +3353,10 @@
           <a:bodyPr/>
           <a:lstStyle/>
           <a:p>
-            <a:endParaRPr lang="en-US"/>
+            <a:r>
+              <a:rPr lang="en-US" dirty="0"/>
+              <a:t>Nails on Shallow Water (NSW)</a:t>
+            </a:r>
           </a:p>
         </p:txBody>
       </p:sp>
@@ -3378,7 +3381,13 @@
           <a:bodyPr/>
           <a:lstStyle/>
           <a:p>
-            <a:endParaRPr lang="en-US"/>
+            <a:endParaRPr lang="en-US" dirty="0"/>
+          </a:p>
+          <a:p>
+            <a:r>
+              <a:rPr lang="en-US" dirty="0"/>
+              <a:t>Hackathon 2025 Presentation</a:t>
+            </a:r>
           </a:p>
         </p:txBody>
       </p:sp>
